--- a/source/_posts/private/java/Temp.pptx
+++ b/source/_posts/private/java/Temp.pptx
@@ -8,6 +8,7 @@
     <p:sldId id="256" r:id="rId2"/>
     <p:sldId id="257" r:id="rId3"/>
     <p:sldId id="258" r:id="rId4"/>
+    <p:sldId id="259" r:id="rId5"/>
   </p:sldIdLst>
   <p:sldSz cx="12192000" cy="6858000"/>
   <p:notesSz cx="6858000" cy="9144000"/>
@@ -106,6 +107,11 @@
       </a:defRPr>
     </a:lvl9pPr>
   </p:defaultTextStyle>
+  <p:extLst>
+    <p:ext uri="{EFAFB233-063F-42B5-8137-9DF3F51BA10A}">
+      <p15:sldGuideLst xmlns:p15="http://schemas.microsoft.com/office/powerpoint/2012/main"/>
+    </p:ext>
+  </p:extLst>
 </p:presentation>
 </file>
 
@@ -240,7 +246,7 @@
           <a:p>
             <a:fld id="{3395C761-B9E4-4830-B407-EA2E00EA1028}" type="datetimeFigureOut">
               <a:rPr lang="zh-CN" altLang="en-US" smtClean="0"/>
-              <a:t>2018/11/27</a:t>
+              <a:t>2018/12/2</a:t>
             </a:fld>
             <a:endParaRPr lang="zh-CN" altLang="en-US"/>
           </a:p>
@@ -410,7 +416,7 @@
           <a:p>
             <a:fld id="{3395C761-B9E4-4830-B407-EA2E00EA1028}" type="datetimeFigureOut">
               <a:rPr lang="zh-CN" altLang="en-US" smtClean="0"/>
-              <a:t>2018/11/27</a:t>
+              <a:t>2018/12/2</a:t>
             </a:fld>
             <a:endParaRPr lang="zh-CN" altLang="en-US"/>
           </a:p>
@@ -590,7 +596,7 @@
           <a:p>
             <a:fld id="{3395C761-B9E4-4830-B407-EA2E00EA1028}" type="datetimeFigureOut">
               <a:rPr lang="zh-CN" altLang="en-US" smtClean="0"/>
-              <a:t>2018/11/27</a:t>
+              <a:t>2018/12/2</a:t>
             </a:fld>
             <a:endParaRPr lang="zh-CN" altLang="en-US"/>
           </a:p>
@@ -760,7 +766,7 @@
           <a:p>
             <a:fld id="{3395C761-B9E4-4830-B407-EA2E00EA1028}" type="datetimeFigureOut">
               <a:rPr lang="zh-CN" altLang="en-US" smtClean="0"/>
-              <a:t>2018/11/27</a:t>
+              <a:t>2018/12/2</a:t>
             </a:fld>
             <a:endParaRPr lang="zh-CN" altLang="en-US"/>
           </a:p>
@@ -1006,7 +1012,7 @@
           <a:p>
             <a:fld id="{3395C761-B9E4-4830-B407-EA2E00EA1028}" type="datetimeFigureOut">
               <a:rPr lang="zh-CN" altLang="en-US" smtClean="0"/>
-              <a:t>2018/11/27</a:t>
+              <a:t>2018/12/2</a:t>
             </a:fld>
             <a:endParaRPr lang="zh-CN" altLang="en-US"/>
           </a:p>
@@ -1238,7 +1244,7 @@
           <a:p>
             <a:fld id="{3395C761-B9E4-4830-B407-EA2E00EA1028}" type="datetimeFigureOut">
               <a:rPr lang="zh-CN" altLang="en-US" smtClean="0"/>
-              <a:t>2018/11/27</a:t>
+              <a:t>2018/12/2</a:t>
             </a:fld>
             <a:endParaRPr lang="zh-CN" altLang="en-US"/>
           </a:p>
@@ -1605,7 +1611,7 @@
           <a:p>
             <a:fld id="{3395C761-B9E4-4830-B407-EA2E00EA1028}" type="datetimeFigureOut">
               <a:rPr lang="zh-CN" altLang="en-US" smtClean="0"/>
-              <a:t>2018/11/27</a:t>
+              <a:t>2018/12/2</a:t>
             </a:fld>
             <a:endParaRPr lang="zh-CN" altLang="en-US"/>
           </a:p>
@@ -1723,7 +1729,7 @@
           <a:p>
             <a:fld id="{3395C761-B9E4-4830-B407-EA2E00EA1028}" type="datetimeFigureOut">
               <a:rPr lang="zh-CN" altLang="en-US" smtClean="0"/>
-              <a:t>2018/11/27</a:t>
+              <a:t>2018/12/2</a:t>
             </a:fld>
             <a:endParaRPr lang="zh-CN" altLang="en-US"/>
           </a:p>
@@ -1818,7 +1824,7 @@
           <a:p>
             <a:fld id="{3395C761-B9E4-4830-B407-EA2E00EA1028}" type="datetimeFigureOut">
               <a:rPr lang="zh-CN" altLang="en-US" smtClean="0"/>
-              <a:t>2018/11/27</a:t>
+              <a:t>2018/12/2</a:t>
             </a:fld>
             <a:endParaRPr lang="zh-CN" altLang="en-US"/>
           </a:p>
@@ -2095,7 +2101,7 @@
           <a:p>
             <a:fld id="{3395C761-B9E4-4830-B407-EA2E00EA1028}" type="datetimeFigureOut">
               <a:rPr lang="zh-CN" altLang="en-US" smtClean="0"/>
-              <a:t>2018/11/27</a:t>
+              <a:t>2018/12/2</a:t>
             </a:fld>
             <a:endParaRPr lang="zh-CN" altLang="en-US"/>
           </a:p>
@@ -2348,7 +2354,7 @@
           <a:p>
             <a:fld id="{3395C761-B9E4-4830-B407-EA2E00EA1028}" type="datetimeFigureOut">
               <a:rPr lang="zh-CN" altLang="en-US" smtClean="0"/>
-              <a:t>2018/11/27</a:t>
+              <a:t>2018/12/2</a:t>
             </a:fld>
             <a:endParaRPr lang="zh-CN" altLang="en-US"/>
           </a:p>
@@ -2561,7 +2567,7 @@
           <a:p>
             <a:fld id="{3395C761-B9E4-4830-B407-EA2E00EA1028}" type="datetimeFigureOut">
               <a:rPr lang="zh-CN" altLang="en-US" smtClean="0"/>
-              <a:t>2018/11/27</a:t>
+              <a:t>2018/12/2</a:t>
             </a:fld>
             <a:endParaRPr lang="zh-CN" altLang="en-US"/>
           </a:p>
@@ -3076,11 +3082,7 @@
           <a:p>
             <a:r>
               <a:rPr lang="zh-CN" altLang="en-US" smtClean="0"/>
-              <a:t>① ②</a:t>
-            </a:r>
-            <a:r>
-              <a:rPr lang="zh-CN" altLang="en-US" smtClean="0"/>
-              <a:t> ③④⑤⑥</a:t>
+              <a:t>① ② ③④⑤⑥</a:t>
             </a:r>
             <a:endParaRPr lang="zh-CN" altLang="en-US"/>
           </a:p>
@@ -4284,6 +4286,574 @@
     <p:extLst>
       <p:ext uri="{BB962C8B-B14F-4D97-AF65-F5344CB8AC3E}">
         <p14:creationId xmlns:p14="http://schemas.microsoft.com/office/powerpoint/2010/main" val="3421885209"/>
+      </p:ext>
+    </p:extLst>
+  </p:cSld>
+  <p:clrMapOvr>
+    <a:masterClrMapping/>
+  </p:clrMapOvr>
+</p:sld>
+</file>
+
+<file path=ppt/slides/slide4.xml><?xml version="1.0" encoding="utf-8"?>
+<p:sld xmlns:a="http://schemas.openxmlformats.org/drawingml/2006/main" xmlns:r="http://schemas.openxmlformats.org/officeDocument/2006/relationships" xmlns:p="http://schemas.openxmlformats.org/presentationml/2006/main">
+  <p:cSld>
+    <p:spTree>
+      <p:nvGrpSpPr>
+        <p:cNvPr id="1" name=""/>
+        <p:cNvGrpSpPr/>
+        <p:nvPr/>
+      </p:nvGrpSpPr>
+      <p:grpSpPr>
+        <a:xfrm>
+          <a:off x="0" y="0"/>
+          <a:ext cx="0" cy="0"/>
+          <a:chOff x="0" y="0"/>
+          <a:chExt cx="0" cy="0"/>
+        </a:xfrm>
+      </p:grpSpPr>
+      <p:sp>
+        <p:nvSpPr>
+          <p:cNvPr id="2" name="圆角矩形 1"/>
+          <p:cNvSpPr/>
+          <p:nvPr/>
+        </p:nvSpPr>
+        <p:spPr>
+          <a:xfrm>
+            <a:off x="4194509" y="649616"/>
+            <a:ext cx="1378163" cy="284383"/>
+          </a:xfrm>
+          <a:prstGeom prst="roundRect">
+            <a:avLst/>
+          </a:prstGeom>
+        </p:spPr>
+        <p:style>
+          <a:lnRef idx="2">
+            <a:schemeClr val="accent1">
+              <a:shade val="50000"/>
+            </a:schemeClr>
+          </a:lnRef>
+          <a:fillRef idx="1">
+            <a:schemeClr val="accent1"/>
+          </a:fillRef>
+          <a:effectRef idx="0">
+            <a:schemeClr val="accent1"/>
+          </a:effectRef>
+          <a:fontRef idx="minor">
+            <a:schemeClr val="lt1"/>
+          </a:fontRef>
+        </p:style>
+        <p:txBody>
+          <a:bodyPr rtlCol="0" anchor="ctr"/>
+          <a:lstStyle/>
+          <a:p>
+            <a:pPr algn="ctr"/>
+            <a:r>
+              <a:rPr lang="en-US" altLang="zh-CN" smtClean="0"/>
+              <a:t>main()</a:t>
+            </a:r>
+            <a:endParaRPr lang="zh-CN" altLang="en-US"/>
+          </a:p>
+        </p:txBody>
+      </p:sp>
+      <p:sp>
+        <p:nvSpPr>
+          <p:cNvPr id="3" name="圆角矩形 2"/>
+          <p:cNvSpPr/>
+          <p:nvPr/>
+        </p:nvSpPr>
+        <p:spPr>
+          <a:xfrm>
+            <a:off x="6674472" y="649615"/>
+            <a:ext cx="1378163" cy="284383"/>
+          </a:xfrm>
+          <a:prstGeom prst="roundRect">
+            <a:avLst/>
+          </a:prstGeom>
+        </p:spPr>
+        <p:style>
+          <a:lnRef idx="2">
+            <a:schemeClr val="accent1">
+              <a:shade val="50000"/>
+            </a:schemeClr>
+          </a:lnRef>
+          <a:fillRef idx="1">
+            <a:schemeClr val="accent1"/>
+          </a:fillRef>
+          <a:effectRef idx="0">
+            <a:schemeClr val="accent1"/>
+          </a:effectRef>
+          <a:fontRef idx="minor">
+            <a:schemeClr val="lt1"/>
+          </a:fontRef>
+        </p:style>
+        <p:txBody>
+          <a:bodyPr rtlCol="0" anchor="ctr"/>
+          <a:lstStyle/>
+          <a:p>
+            <a:pPr algn="ctr"/>
+            <a:r>
+              <a:rPr lang="en-US" altLang="zh-CN" smtClean="0"/>
+              <a:t>call()</a:t>
+            </a:r>
+            <a:endParaRPr lang="zh-CN" altLang="en-US"/>
+          </a:p>
+        </p:txBody>
+      </p:sp>
+      <p:sp>
+        <p:nvSpPr>
+          <p:cNvPr id="4" name="矩形 3"/>
+          <p:cNvSpPr/>
+          <p:nvPr/>
+        </p:nvSpPr>
+        <p:spPr>
+          <a:xfrm>
+            <a:off x="4114195" y="1782338"/>
+            <a:ext cx="1668084" cy="629660"/>
+          </a:xfrm>
+          <a:prstGeom prst="rect">
+            <a:avLst/>
+          </a:prstGeom>
+          <a:solidFill>
+            <a:schemeClr val="accent2"/>
+          </a:solidFill>
+          <a:ln>
+            <a:noFill/>
+          </a:ln>
+        </p:spPr>
+        <p:style>
+          <a:lnRef idx="2">
+            <a:schemeClr val="accent2">
+              <a:shade val="50000"/>
+            </a:schemeClr>
+          </a:lnRef>
+          <a:fillRef idx="1">
+            <a:schemeClr val="accent2"/>
+          </a:fillRef>
+          <a:effectRef idx="0">
+            <a:schemeClr val="accent2"/>
+          </a:effectRef>
+          <a:fontRef idx="minor">
+            <a:schemeClr val="lt1"/>
+          </a:fontRef>
+        </p:style>
+        <p:txBody>
+          <a:bodyPr rtlCol="0" anchor="ctr"/>
+          <a:lstStyle/>
+          <a:p>
+            <a:pPr algn="ctr"/>
+            <a:r>
+              <a:rPr lang="en-US" altLang="zh-CN" smtClean="0"/>
+              <a:t>lambda + value</a:t>
+            </a:r>
+            <a:endParaRPr lang="zh-CN" altLang="en-US"/>
+          </a:p>
+        </p:txBody>
+      </p:sp>
+      <p:sp>
+        <p:nvSpPr>
+          <p:cNvPr id="6" name="矩形 5"/>
+          <p:cNvSpPr/>
+          <p:nvPr/>
+        </p:nvSpPr>
+        <p:spPr>
+          <a:xfrm>
+            <a:off x="6491287" y="505976"/>
+            <a:ext cx="1905000" cy="2771775"/>
+          </a:xfrm>
+          <a:prstGeom prst="rect">
+            <a:avLst/>
+          </a:prstGeom>
+          <a:noFill/>
+        </p:spPr>
+        <p:style>
+          <a:lnRef idx="2">
+            <a:schemeClr val="accent1">
+              <a:shade val="50000"/>
+            </a:schemeClr>
+          </a:lnRef>
+          <a:fillRef idx="1">
+            <a:schemeClr val="accent1"/>
+          </a:fillRef>
+          <a:effectRef idx="0">
+            <a:schemeClr val="accent1"/>
+          </a:effectRef>
+          <a:fontRef idx="minor">
+            <a:schemeClr val="lt1"/>
+          </a:fontRef>
+        </p:style>
+        <p:txBody>
+          <a:bodyPr rtlCol="0" anchor="ctr"/>
+          <a:lstStyle/>
+          <a:p>
+            <a:pPr algn="ctr"/>
+            <a:endParaRPr lang="zh-CN" altLang="en-US"/>
+          </a:p>
+        </p:txBody>
+      </p:sp>
+      <p:sp>
+        <p:nvSpPr>
+          <p:cNvPr id="7" name="矩形 6"/>
+          <p:cNvSpPr/>
+          <p:nvPr/>
+        </p:nvSpPr>
+        <p:spPr>
+          <a:xfrm>
+            <a:off x="3995737" y="505977"/>
+            <a:ext cx="1905000" cy="2771775"/>
+          </a:xfrm>
+          <a:prstGeom prst="rect">
+            <a:avLst/>
+          </a:prstGeom>
+          <a:noFill/>
+        </p:spPr>
+        <p:style>
+          <a:lnRef idx="2">
+            <a:schemeClr val="accent1">
+              <a:shade val="50000"/>
+            </a:schemeClr>
+          </a:lnRef>
+          <a:fillRef idx="1">
+            <a:schemeClr val="accent1"/>
+          </a:fillRef>
+          <a:effectRef idx="0">
+            <a:schemeClr val="accent1"/>
+          </a:effectRef>
+          <a:fontRef idx="minor">
+            <a:schemeClr val="lt1"/>
+          </a:fontRef>
+        </p:style>
+        <p:txBody>
+          <a:bodyPr rtlCol="0" anchor="ctr"/>
+          <a:lstStyle/>
+          <a:p>
+            <a:pPr algn="ctr"/>
+            <a:endParaRPr lang="zh-CN" altLang="en-US"/>
+          </a:p>
+        </p:txBody>
+      </p:sp>
+      <p:sp>
+        <p:nvSpPr>
+          <p:cNvPr id="8" name="上弧形箭头 7"/>
+          <p:cNvSpPr/>
+          <p:nvPr/>
+        </p:nvSpPr>
+        <p:spPr>
+          <a:xfrm>
+            <a:off x="5215660" y="1208956"/>
+            <a:ext cx="1960704" cy="500063"/>
+          </a:xfrm>
+          <a:prstGeom prst="curvedDownArrow">
+            <a:avLst>
+              <a:gd name="adj1" fmla="val 39732"/>
+              <a:gd name="adj2" fmla="val 123920"/>
+              <a:gd name="adj3" fmla="val 36429"/>
+            </a:avLst>
+          </a:prstGeom>
+          <a:solidFill>
+            <a:schemeClr val="accent2"/>
+          </a:solidFill>
+        </p:spPr>
+        <p:style>
+          <a:lnRef idx="2">
+            <a:schemeClr val="accent1">
+              <a:shade val="50000"/>
+            </a:schemeClr>
+          </a:lnRef>
+          <a:fillRef idx="1">
+            <a:schemeClr val="accent1"/>
+          </a:fillRef>
+          <a:effectRef idx="0">
+            <a:schemeClr val="accent1"/>
+          </a:effectRef>
+          <a:fontRef idx="minor">
+            <a:schemeClr val="lt1"/>
+          </a:fontRef>
+        </p:style>
+        <p:txBody>
+          <a:bodyPr rtlCol="0" anchor="ctr"/>
+          <a:lstStyle/>
+          <a:p>
+            <a:pPr algn="ctr"/>
+            <a:endParaRPr lang="zh-CN" altLang="en-US">
+              <a:solidFill>
+                <a:schemeClr val="tx1"/>
+              </a:solidFill>
+            </a:endParaRPr>
+          </a:p>
+        </p:txBody>
+      </p:sp>
+      <p:sp>
+        <p:nvSpPr>
+          <p:cNvPr id="9" name="圆角矩形 8"/>
+          <p:cNvSpPr/>
+          <p:nvPr/>
+        </p:nvSpPr>
+        <p:spPr>
+          <a:xfrm>
+            <a:off x="4194509" y="3946381"/>
+            <a:ext cx="1378163" cy="284383"/>
+          </a:xfrm>
+          <a:prstGeom prst="roundRect">
+            <a:avLst/>
+          </a:prstGeom>
+        </p:spPr>
+        <p:style>
+          <a:lnRef idx="2">
+            <a:schemeClr val="accent1">
+              <a:shade val="50000"/>
+            </a:schemeClr>
+          </a:lnRef>
+          <a:fillRef idx="1">
+            <a:schemeClr val="accent1"/>
+          </a:fillRef>
+          <a:effectRef idx="0">
+            <a:schemeClr val="accent1"/>
+          </a:effectRef>
+          <a:fontRef idx="minor">
+            <a:schemeClr val="lt1"/>
+          </a:fontRef>
+        </p:style>
+        <p:txBody>
+          <a:bodyPr rtlCol="0" anchor="ctr"/>
+          <a:lstStyle/>
+          <a:p>
+            <a:pPr algn="ctr"/>
+            <a:r>
+              <a:rPr lang="en-US" altLang="zh-CN" smtClean="0"/>
+              <a:t>main()</a:t>
+            </a:r>
+            <a:endParaRPr lang="zh-CN" altLang="en-US"/>
+          </a:p>
+        </p:txBody>
+      </p:sp>
+      <p:sp>
+        <p:nvSpPr>
+          <p:cNvPr id="10" name="圆角矩形 9"/>
+          <p:cNvSpPr/>
+          <p:nvPr/>
+        </p:nvSpPr>
+        <p:spPr>
+          <a:xfrm>
+            <a:off x="6674472" y="3946380"/>
+            <a:ext cx="1378163" cy="284383"/>
+          </a:xfrm>
+          <a:prstGeom prst="roundRect">
+            <a:avLst/>
+          </a:prstGeom>
+        </p:spPr>
+        <p:style>
+          <a:lnRef idx="2">
+            <a:schemeClr val="accent1">
+              <a:shade val="50000"/>
+            </a:schemeClr>
+          </a:lnRef>
+          <a:fillRef idx="1">
+            <a:schemeClr val="accent1"/>
+          </a:fillRef>
+          <a:effectRef idx="0">
+            <a:schemeClr val="accent1"/>
+          </a:effectRef>
+          <a:fontRef idx="minor">
+            <a:schemeClr val="lt1"/>
+          </a:fontRef>
+        </p:style>
+        <p:txBody>
+          <a:bodyPr rtlCol="0" anchor="ctr"/>
+          <a:lstStyle/>
+          <a:p>
+            <a:pPr algn="ctr"/>
+            <a:r>
+              <a:rPr lang="en-US" altLang="zh-CN" smtClean="0"/>
+              <a:t>call()</a:t>
+            </a:r>
+            <a:endParaRPr lang="zh-CN" altLang="en-US"/>
+          </a:p>
+        </p:txBody>
+      </p:sp>
+      <p:sp>
+        <p:nvSpPr>
+          <p:cNvPr id="11" name="矩形 10"/>
+          <p:cNvSpPr/>
+          <p:nvPr/>
+        </p:nvSpPr>
+        <p:spPr>
+          <a:xfrm>
+            <a:off x="6566882" y="5132943"/>
+            <a:ext cx="1668084" cy="629660"/>
+          </a:xfrm>
+          <a:prstGeom prst="rect">
+            <a:avLst/>
+          </a:prstGeom>
+          <a:solidFill>
+            <a:schemeClr val="accent2"/>
+          </a:solidFill>
+          <a:ln>
+            <a:noFill/>
+          </a:ln>
+        </p:spPr>
+        <p:style>
+          <a:lnRef idx="2">
+            <a:schemeClr val="accent2">
+              <a:shade val="50000"/>
+            </a:schemeClr>
+          </a:lnRef>
+          <a:fillRef idx="1">
+            <a:schemeClr val="accent2"/>
+          </a:fillRef>
+          <a:effectRef idx="0">
+            <a:schemeClr val="accent2"/>
+          </a:effectRef>
+          <a:fontRef idx="minor">
+            <a:schemeClr val="lt1"/>
+          </a:fontRef>
+        </p:style>
+        <p:txBody>
+          <a:bodyPr rtlCol="0" anchor="ctr"/>
+          <a:lstStyle/>
+          <a:p>
+            <a:pPr algn="ctr"/>
+            <a:r>
+              <a:rPr lang="en-US" altLang="zh-CN" smtClean="0"/>
+              <a:t>lambda + value</a:t>
+            </a:r>
+            <a:endParaRPr lang="zh-CN" altLang="en-US"/>
+          </a:p>
+        </p:txBody>
+      </p:sp>
+      <p:sp>
+        <p:nvSpPr>
+          <p:cNvPr id="12" name="矩形 11"/>
+          <p:cNvSpPr/>
+          <p:nvPr/>
+        </p:nvSpPr>
+        <p:spPr>
+          <a:xfrm>
+            <a:off x="6491287" y="3802741"/>
+            <a:ext cx="1905000" cy="2771775"/>
+          </a:xfrm>
+          <a:prstGeom prst="rect">
+            <a:avLst/>
+          </a:prstGeom>
+          <a:noFill/>
+        </p:spPr>
+        <p:style>
+          <a:lnRef idx="2">
+            <a:schemeClr val="accent1">
+              <a:shade val="50000"/>
+            </a:schemeClr>
+          </a:lnRef>
+          <a:fillRef idx="1">
+            <a:schemeClr val="accent1"/>
+          </a:fillRef>
+          <a:effectRef idx="0">
+            <a:schemeClr val="accent1"/>
+          </a:effectRef>
+          <a:fontRef idx="minor">
+            <a:schemeClr val="lt1"/>
+          </a:fontRef>
+        </p:style>
+        <p:txBody>
+          <a:bodyPr rtlCol="0" anchor="ctr"/>
+          <a:lstStyle/>
+          <a:p>
+            <a:pPr algn="ctr"/>
+            <a:endParaRPr lang="zh-CN" altLang="en-US"/>
+          </a:p>
+        </p:txBody>
+      </p:sp>
+      <p:sp>
+        <p:nvSpPr>
+          <p:cNvPr id="13" name="矩形 12"/>
+          <p:cNvSpPr/>
+          <p:nvPr/>
+        </p:nvSpPr>
+        <p:spPr>
+          <a:xfrm>
+            <a:off x="3995737" y="3802742"/>
+            <a:ext cx="1905000" cy="2771775"/>
+          </a:xfrm>
+          <a:prstGeom prst="rect">
+            <a:avLst/>
+          </a:prstGeom>
+          <a:noFill/>
+        </p:spPr>
+        <p:style>
+          <a:lnRef idx="2">
+            <a:schemeClr val="accent1">
+              <a:shade val="50000"/>
+            </a:schemeClr>
+          </a:lnRef>
+          <a:fillRef idx="1">
+            <a:schemeClr val="accent1"/>
+          </a:fillRef>
+          <a:effectRef idx="0">
+            <a:schemeClr val="accent1"/>
+          </a:effectRef>
+          <a:fontRef idx="minor">
+            <a:schemeClr val="lt1"/>
+          </a:fontRef>
+        </p:style>
+        <p:txBody>
+          <a:bodyPr rtlCol="0" anchor="ctr"/>
+          <a:lstStyle/>
+          <a:p>
+            <a:pPr algn="ctr"/>
+            <a:endParaRPr lang="zh-CN" altLang="en-US"/>
+          </a:p>
+        </p:txBody>
+      </p:sp>
+      <p:sp>
+        <p:nvSpPr>
+          <p:cNvPr id="16" name="下弧形箭头 15"/>
+          <p:cNvSpPr/>
+          <p:nvPr/>
+        </p:nvSpPr>
+        <p:spPr>
+          <a:xfrm rot="10800000">
+            <a:off x="5187084" y="4572568"/>
+            <a:ext cx="1842365" cy="533400"/>
+          </a:xfrm>
+          <a:prstGeom prst="curvedUpArrow">
+            <a:avLst/>
+          </a:prstGeom>
+          <a:solidFill>
+            <a:schemeClr val="accent2"/>
+          </a:solidFill>
+        </p:spPr>
+        <p:style>
+          <a:lnRef idx="2">
+            <a:schemeClr val="accent1">
+              <a:shade val="50000"/>
+            </a:schemeClr>
+          </a:lnRef>
+          <a:fillRef idx="1">
+            <a:schemeClr val="accent1"/>
+          </a:fillRef>
+          <a:effectRef idx="0">
+            <a:schemeClr val="accent1"/>
+          </a:effectRef>
+          <a:fontRef idx="minor">
+            <a:schemeClr val="lt1"/>
+          </a:fontRef>
+        </p:style>
+        <p:txBody>
+          <a:bodyPr rtlCol="0" anchor="ctr"/>
+          <a:lstStyle/>
+          <a:p>
+            <a:pPr algn="ctr"/>
+            <a:endParaRPr lang="zh-CN" altLang="en-US">
+              <a:solidFill>
+                <a:schemeClr val="tx1"/>
+              </a:solidFill>
+            </a:endParaRPr>
+          </a:p>
+        </p:txBody>
+      </p:sp>
+    </p:spTree>
+    <p:extLst>
+      <p:ext uri="{BB962C8B-B14F-4D97-AF65-F5344CB8AC3E}">
+        <p14:creationId xmlns:p14="http://schemas.microsoft.com/office/powerpoint/2010/main" val="3337593147"/>
       </p:ext>
     </p:extLst>
   </p:cSld>

--- a/source/_posts/private/java/Temp.pptx
+++ b/source/_posts/private/java/Temp.pptx
@@ -246,7 +246,7 @@
           <a:p>
             <a:fld id="{3395C761-B9E4-4830-B407-EA2E00EA1028}" type="datetimeFigureOut">
               <a:rPr lang="zh-CN" altLang="en-US" smtClean="0"/>
-              <a:t>2018/12/2</a:t>
+              <a:t>2018/12/21</a:t>
             </a:fld>
             <a:endParaRPr lang="zh-CN" altLang="en-US"/>
           </a:p>
@@ -416,7 +416,7 @@
           <a:p>
             <a:fld id="{3395C761-B9E4-4830-B407-EA2E00EA1028}" type="datetimeFigureOut">
               <a:rPr lang="zh-CN" altLang="en-US" smtClean="0"/>
-              <a:t>2018/12/2</a:t>
+              <a:t>2018/12/21</a:t>
             </a:fld>
             <a:endParaRPr lang="zh-CN" altLang="en-US"/>
           </a:p>
@@ -596,7 +596,7 @@
           <a:p>
             <a:fld id="{3395C761-B9E4-4830-B407-EA2E00EA1028}" type="datetimeFigureOut">
               <a:rPr lang="zh-CN" altLang="en-US" smtClean="0"/>
-              <a:t>2018/12/2</a:t>
+              <a:t>2018/12/21</a:t>
             </a:fld>
             <a:endParaRPr lang="zh-CN" altLang="en-US"/>
           </a:p>
@@ -766,7 +766,7 @@
           <a:p>
             <a:fld id="{3395C761-B9E4-4830-B407-EA2E00EA1028}" type="datetimeFigureOut">
               <a:rPr lang="zh-CN" altLang="en-US" smtClean="0"/>
-              <a:t>2018/12/2</a:t>
+              <a:t>2018/12/21</a:t>
             </a:fld>
             <a:endParaRPr lang="zh-CN" altLang="en-US"/>
           </a:p>
@@ -1012,7 +1012,7 @@
           <a:p>
             <a:fld id="{3395C761-B9E4-4830-B407-EA2E00EA1028}" type="datetimeFigureOut">
               <a:rPr lang="zh-CN" altLang="en-US" smtClean="0"/>
-              <a:t>2018/12/2</a:t>
+              <a:t>2018/12/21</a:t>
             </a:fld>
             <a:endParaRPr lang="zh-CN" altLang="en-US"/>
           </a:p>
@@ -1244,7 +1244,7 @@
           <a:p>
             <a:fld id="{3395C761-B9E4-4830-B407-EA2E00EA1028}" type="datetimeFigureOut">
               <a:rPr lang="zh-CN" altLang="en-US" smtClean="0"/>
-              <a:t>2018/12/2</a:t>
+              <a:t>2018/12/21</a:t>
             </a:fld>
             <a:endParaRPr lang="zh-CN" altLang="en-US"/>
           </a:p>
@@ -1611,7 +1611,7 @@
           <a:p>
             <a:fld id="{3395C761-B9E4-4830-B407-EA2E00EA1028}" type="datetimeFigureOut">
               <a:rPr lang="zh-CN" altLang="en-US" smtClean="0"/>
-              <a:t>2018/12/2</a:t>
+              <a:t>2018/12/21</a:t>
             </a:fld>
             <a:endParaRPr lang="zh-CN" altLang="en-US"/>
           </a:p>
@@ -1729,7 +1729,7 @@
           <a:p>
             <a:fld id="{3395C761-B9E4-4830-B407-EA2E00EA1028}" type="datetimeFigureOut">
               <a:rPr lang="zh-CN" altLang="en-US" smtClean="0"/>
-              <a:t>2018/12/2</a:t>
+              <a:t>2018/12/21</a:t>
             </a:fld>
             <a:endParaRPr lang="zh-CN" altLang="en-US"/>
           </a:p>
@@ -1824,7 +1824,7 @@
           <a:p>
             <a:fld id="{3395C761-B9E4-4830-B407-EA2E00EA1028}" type="datetimeFigureOut">
               <a:rPr lang="zh-CN" altLang="en-US" smtClean="0"/>
-              <a:t>2018/12/2</a:t>
+              <a:t>2018/12/21</a:t>
             </a:fld>
             <a:endParaRPr lang="zh-CN" altLang="en-US"/>
           </a:p>
@@ -2101,7 +2101,7 @@
           <a:p>
             <a:fld id="{3395C761-B9E4-4830-B407-EA2E00EA1028}" type="datetimeFigureOut">
               <a:rPr lang="zh-CN" altLang="en-US" smtClean="0"/>
-              <a:t>2018/12/2</a:t>
+              <a:t>2018/12/21</a:t>
             </a:fld>
             <a:endParaRPr lang="zh-CN" altLang="en-US"/>
           </a:p>
@@ -2354,7 +2354,7 @@
           <a:p>
             <a:fld id="{3395C761-B9E4-4830-B407-EA2E00EA1028}" type="datetimeFigureOut">
               <a:rPr lang="zh-CN" altLang="en-US" smtClean="0"/>
-              <a:t>2018/12/2</a:t>
+              <a:t>2018/12/21</a:t>
             </a:fld>
             <a:endParaRPr lang="zh-CN" altLang="en-US"/>
           </a:p>
@@ -2567,7 +2567,7 @@
           <a:p>
             <a:fld id="{3395C761-B9E4-4830-B407-EA2E00EA1028}" type="datetimeFigureOut">
               <a:rPr lang="zh-CN" altLang="en-US" smtClean="0"/>
-              <a:t>2018/12/2</a:t>
+              <a:t>2018/12/21</a:t>
             </a:fld>
             <a:endParaRPr lang="zh-CN" altLang="en-US"/>
           </a:p>
@@ -4365,7 +4365,7 @@
         <p:spPr>
           <a:xfrm>
             <a:off x="6674472" y="649615"/>
-            <a:ext cx="1378163" cy="284383"/>
+            <a:ext cx="1560494" cy="284384"/>
           </a:xfrm>
           <a:prstGeom prst="roundRect">
             <a:avLst/>
@@ -4394,7 +4394,7 @@
             <a:pPr algn="ctr"/>
             <a:r>
               <a:rPr lang="en-US" altLang="zh-CN" smtClean="0"/>
-              <a:t>call()</a:t>
+              <a:t>call(Runnable )</a:t>
             </a:r>
             <a:endParaRPr lang="zh-CN" altLang="en-US"/>
           </a:p>
@@ -4665,7 +4665,7 @@
             <a:pPr algn="ctr"/>
             <a:r>
               <a:rPr lang="en-US" altLang="zh-CN" smtClean="0"/>
-              <a:t>call()</a:t>
+              <a:t>create()</a:t>
             </a:r>
             <a:endParaRPr lang="zh-CN" altLang="en-US"/>
           </a:p>
@@ -4847,6 +4847,70 @@
                 <a:schemeClr val="tx1"/>
               </a:solidFill>
             </a:endParaRPr>
+          </a:p>
+        </p:txBody>
+      </p:sp>
+      <p:sp>
+        <p:nvSpPr>
+          <p:cNvPr id="5" name="文本框 4"/>
+          <p:cNvSpPr txBox="1"/>
+          <p:nvPr/>
+        </p:nvSpPr>
+        <p:spPr>
+          <a:xfrm>
+            <a:off x="5540678" y="4221866"/>
+            <a:ext cx="1488771" cy="369332"/>
+          </a:xfrm>
+          <a:prstGeom prst="rect">
+            <a:avLst/>
+          </a:prstGeom>
+          <a:noFill/>
+        </p:spPr>
+        <p:txBody>
+          <a:bodyPr wrap="square" rtlCol="0">
+            <a:spAutoFit/>
+          </a:bodyPr>
+          <a:lstStyle/>
+          <a:p>
+            <a:r>
+              <a:rPr lang="en-US" altLang="zh-CN" b="1" smtClean="0"/>
+              <a:t>return </a:t>
+            </a:r>
+            <a:r>
+              <a:rPr lang="zh-CN" altLang="en-US" b="1" smtClean="0"/>
+              <a:t>闭包</a:t>
+            </a:r>
+            <a:endParaRPr lang="zh-CN" altLang="en-US" b="1"/>
+          </a:p>
+        </p:txBody>
+      </p:sp>
+      <p:sp>
+        <p:nvSpPr>
+          <p:cNvPr id="15" name="文本框 14"/>
+          <p:cNvSpPr txBox="1"/>
+          <p:nvPr/>
+        </p:nvSpPr>
+        <p:spPr>
+          <a:xfrm>
+            <a:off x="5303824" y="898683"/>
+            <a:ext cx="1635116" cy="307777"/>
+          </a:xfrm>
+          <a:prstGeom prst="rect">
+            <a:avLst/>
+          </a:prstGeom>
+          <a:noFill/>
+        </p:spPr>
+        <p:txBody>
+          <a:bodyPr wrap="square" rtlCol="0">
+            <a:spAutoFit/>
+          </a:bodyPr>
+          <a:lstStyle/>
+          <a:p>
+            <a:r>
+              <a:rPr lang="zh-CN" altLang="en-US" sz="1400" b="1" smtClean="0"/>
+              <a:t>闭包通过入参传递</a:t>
+            </a:r>
+            <a:endParaRPr lang="zh-CN" altLang="en-US" sz="1400" b="1"/>
           </a:p>
         </p:txBody>
       </p:sp>

--- a/source/_posts/private/java/Temp.pptx
+++ b/source/_posts/private/java/Temp.pptx
@@ -9,6 +9,7 @@
     <p:sldId id="257" r:id="rId3"/>
     <p:sldId id="258" r:id="rId4"/>
     <p:sldId id="259" r:id="rId5"/>
+    <p:sldId id="260" r:id="rId6"/>
   </p:sldIdLst>
   <p:sldSz cx="12192000" cy="6858000"/>
   <p:notesSz cx="6858000" cy="9144000"/>
@@ -246,7 +247,7 @@
           <a:p>
             <a:fld id="{3395C761-B9E4-4830-B407-EA2E00EA1028}" type="datetimeFigureOut">
               <a:rPr lang="zh-CN" altLang="en-US" smtClean="0"/>
-              <a:t>2018/12/21</a:t>
+              <a:t>2018/12/22</a:t>
             </a:fld>
             <a:endParaRPr lang="zh-CN" altLang="en-US"/>
           </a:p>
@@ -416,7 +417,7 @@
           <a:p>
             <a:fld id="{3395C761-B9E4-4830-B407-EA2E00EA1028}" type="datetimeFigureOut">
               <a:rPr lang="zh-CN" altLang="en-US" smtClean="0"/>
-              <a:t>2018/12/21</a:t>
+              <a:t>2018/12/22</a:t>
             </a:fld>
             <a:endParaRPr lang="zh-CN" altLang="en-US"/>
           </a:p>
@@ -596,7 +597,7 @@
           <a:p>
             <a:fld id="{3395C761-B9E4-4830-B407-EA2E00EA1028}" type="datetimeFigureOut">
               <a:rPr lang="zh-CN" altLang="en-US" smtClean="0"/>
-              <a:t>2018/12/21</a:t>
+              <a:t>2018/12/22</a:t>
             </a:fld>
             <a:endParaRPr lang="zh-CN" altLang="en-US"/>
           </a:p>
@@ -766,7 +767,7 @@
           <a:p>
             <a:fld id="{3395C761-B9E4-4830-B407-EA2E00EA1028}" type="datetimeFigureOut">
               <a:rPr lang="zh-CN" altLang="en-US" smtClean="0"/>
-              <a:t>2018/12/21</a:t>
+              <a:t>2018/12/22</a:t>
             </a:fld>
             <a:endParaRPr lang="zh-CN" altLang="en-US"/>
           </a:p>
@@ -1012,7 +1013,7 @@
           <a:p>
             <a:fld id="{3395C761-B9E4-4830-B407-EA2E00EA1028}" type="datetimeFigureOut">
               <a:rPr lang="zh-CN" altLang="en-US" smtClean="0"/>
-              <a:t>2018/12/21</a:t>
+              <a:t>2018/12/22</a:t>
             </a:fld>
             <a:endParaRPr lang="zh-CN" altLang="en-US"/>
           </a:p>
@@ -1244,7 +1245,7 @@
           <a:p>
             <a:fld id="{3395C761-B9E4-4830-B407-EA2E00EA1028}" type="datetimeFigureOut">
               <a:rPr lang="zh-CN" altLang="en-US" smtClean="0"/>
-              <a:t>2018/12/21</a:t>
+              <a:t>2018/12/22</a:t>
             </a:fld>
             <a:endParaRPr lang="zh-CN" altLang="en-US"/>
           </a:p>
@@ -1611,7 +1612,7 @@
           <a:p>
             <a:fld id="{3395C761-B9E4-4830-B407-EA2E00EA1028}" type="datetimeFigureOut">
               <a:rPr lang="zh-CN" altLang="en-US" smtClean="0"/>
-              <a:t>2018/12/21</a:t>
+              <a:t>2018/12/22</a:t>
             </a:fld>
             <a:endParaRPr lang="zh-CN" altLang="en-US"/>
           </a:p>
@@ -1729,7 +1730,7 @@
           <a:p>
             <a:fld id="{3395C761-B9E4-4830-B407-EA2E00EA1028}" type="datetimeFigureOut">
               <a:rPr lang="zh-CN" altLang="en-US" smtClean="0"/>
-              <a:t>2018/12/21</a:t>
+              <a:t>2018/12/22</a:t>
             </a:fld>
             <a:endParaRPr lang="zh-CN" altLang="en-US"/>
           </a:p>
@@ -1824,7 +1825,7 @@
           <a:p>
             <a:fld id="{3395C761-B9E4-4830-B407-EA2E00EA1028}" type="datetimeFigureOut">
               <a:rPr lang="zh-CN" altLang="en-US" smtClean="0"/>
-              <a:t>2018/12/21</a:t>
+              <a:t>2018/12/22</a:t>
             </a:fld>
             <a:endParaRPr lang="zh-CN" altLang="en-US"/>
           </a:p>
@@ -2101,7 +2102,7 @@
           <a:p>
             <a:fld id="{3395C761-B9E4-4830-B407-EA2E00EA1028}" type="datetimeFigureOut">
               <a:rPr lang="zh-CN" altLang="en-US" smtClean="0"/>
-              <a:t>2018/12/21</a:t>
+              <a:t>2018/12/22</a:t>
             </a:fld>
             <a:endParaRPr lang="zh-CN" altLang="en-US"/>
           </a:p>
@@ -2354,7 +2355,7 @@
           <a:p>
             <a:fld id="{3395C761-B9E4-4830-B407-EA2E00EA1028}" type="datetimeFigureOut">
               <a:rPr lang="zh-CN" altLang="en-US" smtClean="0"/>
-              <a:t>2018/12/21</a:t>
+              <a:t>2018/12/22</a:t>
             </a:fld>
             <a:endParaRPr lang="zh-CN" altLang="en-US"/>
           </a:p>
@@ -2567,7 +2568,7 @@
           <a:p>
             <a:fld id="{3395C761-B9E4-4830-B407-EA2E00EA1028}" type="datetimeFigureOut">
               <a:rPr lang="zh-CN" altLang="en-US" smtClean="0"/>
-              <a:t>2018/12/21</a:t>
+              <a:t>2018/12/22</a:t>
             </a:fld>
             <a:endParaRPr lang="zh-CN" altLang="en-US"/>
           </a:p>
@@ -4927,6 +4928,758 @@
 </p:sld>
 </file>
 
+<file path=ppt/slides/slide5.xml><?xml version="1.0" encoding="utf-8"?>
+<p:sld xmlns:a="http://schemas.openxmlformats.org/drawingml/2006/main" xmlns:r="http://schemas.openxmlformats.org/officeDocument/2006/relationships" xmlns:p="http://schemas.openxmlformats.org/presentationml/2006/main">
+  <p:cSld>
+    <p:spTree>
+      <p:nvGrpSpPr>
+        <p:cNvPr id="1" name=""/>
+        <p:cNvGrpSpPr/>
+        <p:nvPr/>
+      </p:nvGrpSpPr>
+      <p:grpSpPr>
+        <a:xfrm>
+          <a:off x="0" y="0"/>
+          <a:ext cx="0" cy="0"/>
+          <a:chOff x="0" y="0"/>
+          <a:chExt cx="0" cy="0"/>
+        </a:xfrm>
+      </p:grpSpPr>
+      <p:sp>
+        <p:nvSpPr>
+          <p:cNvPr id="3" name="文本框 2"/>
+          <p:cNvSpPr txBox="1"/>
+          <p:nvPr/>
+        </p:nvSpPr>
+        <p:spPr>
+          <a:xfrm>
+            <a:off x="136312" y="1710375"/>
+            <a:ext cx="1911928" cy="369332"/>
+          </a:xfrm>
+          <a:prstGeom prst="rect">
+            <a:avLst/>
+          </a:prstGeom>
+          <a:noFill/>
+        </p:spPr>
+        <p:txBody>
+          <a:bodyPr wrap="square" rtlCol="0">
+            <a:spAutoFit/>
+          </a:bodyPr>
+          <a:lstStyle/>
+          <a:p>
+            <a:endParaRPr lang="en-US" altLang="zh-CN" smtClean="0"/>
+          </a:p>
+        </p:txBody>
+      </p:sp>
+      <mc:AlternateContent xmlns:mc="http://schemas.openxmlformats.org/markup-compatibility/2006">
+        <mc:Choice xmlns:a14="http://schemas.microsoft.com/office/drawing/2010/main" Requires="a14">
+          <p:sp>
+            <p:nvSpPr>
+              <p:cNvPr id="4" name="文本框 3"/>
+              <p:cNvSpPr txBox="1"/>
+              <p:nvPr/>
+            </p:nvSpPr>
+            <p:spPr>
+              <a:xfrm>
+                <a:off x="293816" y="1546308"/>
+                <a:ext cx="949401" cy="472437"/>
+              </a:xfrm>
+              <a:prstGeom prst="rect">
+                <a:avLst/>
+              </a:prstGeom>
+              <a:noFill/>
+            </p:spPr>
+            <p:txBody>
+              <a:bodyPr wrap="square" lIns="0" tIns="0" rIns="0" bIns="0" rtlCol="0">
+                <a:spAutoFit/>
+              </a:bodyPr>
+              <a:lstStyle/>
+              <a:p>
+                <a14:m>
+                  <m:oMathPara xmlns:m="http://schemas.openxmlformats.org/officeDocument/2006/math">
+                    <m:oMathParaPr>
+                      <m:jc m:val="centerGroup"/>
+                    </m:oMathParaPr>
+                    <m:oMath xmlns:m="http://schemas.openxmlformats.org/officeDocument/2006/math">
+                      <m:f>
+                        <m:fPr>
+                          <m:ctrlPr>
+                            <a:rPr lang="en-US" altLang="zh-CN" i="1" smtClean="0">
+                              <a:latin typeface="Cambria Math" panose="02040503050406030204" pitchFamily="18" charset="0"/>
+                            </a:rPr>
+                          </m:ctrlPr>
+                        </m:fPr>
+                        <m:num>
+                          <m:r>
+                            <m:rPr>
+                              <m:sty m:val="p"/>
+                            </m:rPr>
+                            <a:rPr lang="en-US" altLang="zh-CN" i="1">
+                              <a:latin typeface="Cambria Math" panose="02040503050406030204" pitchFamily="18" charset="0"/>
+                            </a:rPr>
+                            <m:t>x</m:t>
+                          </m:r>
+                        </m:num>
+                        <m:den>
+                          <m:r>
+                            <a:rPr lang="en-US" altLang="zh-CN" b="0" i="1" smtClean="0">
+                              <a:latin typeface="Cambria Math" panose="02040503050406030204" pitchFamily="18" charset="0"/>
+                            </a:rPr>
+                            <m:t>0</m:t>
+                          </m:r>
+                        </m:den>
+                      </m:f>
+                    </m:oMath>
+                  </m:oMathPara>
+                </a14:m>
+                <a:endParaRPr lang="zh-CN" altLang="en-US"/>
+              </a:p>
+            </p:txBody>
+          </p:sp>
+        </mc:Choice>
+        <mc:Fallback>
+          <p:sp>
+            <p:nvSpPr>
+              <p:cNvPr id="4" name="文本框 3"/>
+              <p:cNvSpPr txBox="1">
+                <a:spLocks noRot="1" noChangeAspect="1" noMove="1" noResize="1" noEditPoints="1" noAdjustHandles="1" noChangeArrowheads="1" noChangeShapeType="1" noTextEdit="1"/>
+              </p:cNvSpPr>
+              <p:nvPr/>
+            </p:nvSpPr>
+            <p:spPr>
+              <a:xfrm>
+                <a:off x="293816" y="1546308"/>
+                <a:ext cx="949401" cy="472437"/>
+              </a:xfrm>
+              <a:prstGeom prst="rect">
+                <a:avLst/>
+              </a:prstGeom>
+              <a:blipFill rotWithShape="0">
+                <a:blip r:embed="rId2"/>
+                <a:stretch>
+                  <a:fillRect/>
+                </a:stretch>
+              </a:blipFill>
+            </p:spPr>
+            <p:txBody>
+              <a:bodyPr/>
+              <a:lstStyle/>
+              <a:p>
+                <a:r>
+                  <a:rPr lang="zh-CN" altLang="en-US">
+                    <a:noFill/>
+                  </a:rPr>
+                  <a:t> </a:t>
+                </a:r>
+              </a:p>
+            </p:txBody>
+          </p:sp>
+        </mc:Fallback>
+      </mc:AlternateContent>
+      <p:sp>
+        <p:nvSpPr>
+          <p:cNvPr id="5" name="文本框 4"/>
+          <p:cNvSpPr txBox="1"/>
+          <p:nvPr/>
+        </p:nvSpPr>
+        <p:spPr>
+          <a:xfrm>
+            <a:off x="223813" y="2274765"/>
+            <a:ext cx="1246910" cy="369332"/>
+          </a:xfrm>
+          <a:prstGeom prst="rect">
+            <a:avLst/>
+          </a:prstGeom>
+          <a:noFill/>
+        </p:spPr>
+        <p:txBody>
+          <a:bodyPr wrap="square" rtlCol="0">
+            <a:spAutoFit/>
+          </a:bodyPr>
+          <a:lstStyle/>
+          <a:p>
+            <a:r>
+              <a:rPr lang="en-US" altLang="zh-CN" smtClean="0"/>
+              <a:t>0 </a:t>
+            </a:r>
+            <a:r>
+              <a:rPr lang="en-US" altLang="zh-CN" strike="sngStrike" smtClean="0"/>
+              <a:t>cast to </a:t>
+            </a:r>
+            <a:r>
+              <a:rPr lang="en-US" altLang="zh-CN" smtClean="0"/>
+              <a:t>O</a:t>
+            </a:r>
+            <a:endParaRPr lang="zh-CN" altLang="en-US"/>
+          </a:p>
+        </p:txBody>
+      </p:sp>
+      <p:sp>
+        <p:nvSpPr>
+          <p:cNvPr id="6" name="文本框 5"/>
+          <p:cNvSpPr txBox="1"/>
+          <p:nvPr/>
+        </p:nvSpPr>
+        <p:spPr>
+          <a:xfrm>
+            <a:off x="2131367" y="1546308"/>
+            <a:ext cx="4202758" cy="923330"/>
+          </a:xfrm>
+          <a:prstGeom prst="rect">
+            <a:avLst/>
+          </a:prstGeom>
+          <a:noFill/>
+        </p:spPr>
+        <p:txBody>
+          <a:bodyPr wrap="square" rtlCol="0">
+            <a:spAutoFit/>
+          </a:bodyPr>
+          <a:lstStyle/>
+          <a:p>
+            <a:r>
+              <a:rPr lang="en-US" altLang="zh-CN" smtClean="0"/>
+              <a:t>void function(IllegalArgument</a:t>
+            </a:r>
+            <a:r>
+              <a:rPr lang="en-US" altLang="zh-CN"/>
+              <a:t>Exception</a:t>
+            </a:r>
+            <a:r>
+              <a:rPr lang="en-US" altLang="zh-CN" smtClean="0"/>
+              <a:t>) {</a:t>
+            </a:r>
+          </a:p>
+          <a:p>
+            <a:r>
+              <a:rPr lang="en-US" altLang="zh-CN"/>
+              <a:t> </a:t>
+            </a:r>
+            <a:r>
+              <a:rPr lang="en-US" altLang="zh-CN" smtClean="0"/>
+              <a:t>   IllegalStateException;</a:t>
+            </a:r>
+          </a:p>
+          <a:p>
+            <a:r>
+              <a:rPr lang="en-US" altLang="zh-CN"/>
+              <a:t>}</a:t>
+            </a:r>
+            <a:endParaRPr lang="zh-CN" altLang="en-US"/>
+          </a:p>
+        </p:txBody>
+      </p:sp>
+      <p:graphicFrame>
+        <p:nvGraphicFramePr>
+          <p:cNvPr id="7" name="表格 6"/>
+          <p:cNvGraphicFramePr>
+            <a:graphicFrameLocks noGrp="1"/>
+          </p:cNvGraphicFramePr>
+          <p:nvPr>
+            <p:extLst>
+              <p:ext uri="{D42A27DB-BD31-4B8C-83A1-F6EECF244321}">
+                <p14:modId xmlns:p14="http://schemas.microsoft.com/office/powerpoint/2010/main" val="1006242469"/>
+              </p:ext>
+            </p:extLst>
+          </p:nvPr>
+        </p:nvGraphicFramePr>
+        <p:xfrm>
+          <a:off x="3737387" y="3374514"/>
+          <a:ext cx="3679962" cy="365760"/>
+        </p:xfrm>
+        <a:graphic>
+          <a:graphicData uri="http://schemas.openxmlformats.org/drawingml/2006/table">
+            <a:tbl>
+              <a:tblPr firstRow="1" bandRow="1"/>
+              <a:tblGrid>
+                <a:gridCol w="613327"/>
+                <a:gridCol w="613327"/>
+                <a:gridCol w="613327"/>
+                <a:gridCol w="613327"/>
+                <a:gridCol w="613327"/>
+                <a:gridCol w="613327"/>
+              </a:tblGrid>
+              <a:tr h="304112">
+                <a:tc>
+                  <a:txBody>
+                    <a:bodyPr/>
+                    <a:lstStyle/>
+                    <a:p>
+                      <a:r>
+                        <a:rPr lang="en-US" altLang="zh-CN" smtClean="0"/>
+                        <a:t>0</a:t>
+                      </a:r>
+                      <a:endParaRPr lang="zh-CN" altLang="en-US"/>
+                    </a:p>
+                  </a:txBody>
+                  <a:tcPr/>
+                </a:tc>
+                <a:tc>
+                  <a:txBody>
+                    <a:bodyPr/>
+                    <a:lstStyle/>
+                    <a:p>
+                      <a:r>
+                        <a:rPr lang="en-US" altLang="zh-CN" smtClean="0"/>
+                        <a:t>1</a:t>
+                      </a:r>
+                      <a:endParaRPr lang="zh-CN" altLang="en-US"/>
+                    </a:p>
+                  </a:txBody>
+                  <a:tcPr/>
+                </a:tc>
+                <a:tc>
+                  <a:txBody>
+                    <a:bodyPr/>
+                    <a:lstStyle/>
+                    <a:p>
+                      <a:r>
+                        <a:rPr lang="en-US" altLang="zh-CN" smtClean="0"/>
+                        <a:t>2</a:t>
+                      </a:r>
+                      <a:endParaRPr lang="zh-CN" altLang="en-US"/>
+                    </a:p>
+                  </a:txBody>
+                  <a:tcPr/>
+                </a:tc>
+                <a:tc>
+                  <a:txBody>
+                    <a:bodyPr/>
+                    <a:lstStyle/>
+                    <a:p>
+                      <a:r>
+                        <a:rPr lang="en-US" altLang="zh-CN" smtClean="0"/>
+                        <a:t>3</a:t>
+                      </a:r>
+                      <a:endParaRPr lang="zh-CN" altLang="en-US"/>
+                    </a:p>
+                  </a:txBody>
+                  <a:tcPr/>
+                </a:tc>
+                <a:tc>
+                  <a:txBody>
+                    <a:bodyPr/>
+                    <a:lstStyle/>
+                    <a:p>
+                      <a:r>
+                        <a:rPr lang="en-US" altLang="zh-CN" smtClean="0"/>
+                        <a:t>4</a:t>
+                      </a:r>
+                      <a:endParaRPr lang="zh-CN" altLang="en-US"/>
+                    </a:p>
+                  </a:txBody>
+                  <a:tcPr>
+                    <a:lnR w="12700" cap="flat" cmpd="sng" algn="ctr">
+                      <a:solidFill>
+                        <a:schemeClr val="tx1"/>
+                      </a:solidFill>
+                      <a:prstDash val="solid"/>
+                      <a:round/>
+                      <a:headEnd type="none" w="med" len="med"/>
+                      <a:tailEnd type="none" w="med" len="med"/>
+                    </a:lnR>
+                  </a:tcPr>
+                </a:tc>
+                <a:tc>
+                  <a:txBody>
+                    <a:bodyPr/>
+                    <a:lstStyle/>
+                    <a:p>
+                      <a:endParaRPr lang="zh-CN" altLang="en-US"/>
+                    </a:p>
+                  </a:txBody>
+                  <a:tcPr>
+                    <a:lnL w="12700" cap="flat" cmpd="sng" algn="ctr">
+                      <a:solidFill>
+                        <a:schemeClr val="tx1"/>
+                      </a:solidFill>
+                      <a:prstDash val="solid"/>
+                      <a:round/>
+                      <a:headEnd type="none" w="med" len="med"/>
+                      <a:tailEnd type="none" w="med" len="med"/>
+                    </a:lnL>
+                    <a:lnR w="12700" cap="flat" cmpd="sng" algn="ctr">
+                      <a:solidFill>
+                        <a:schemeClr val="tx1"/>
+                      </a:solidFill>
+                      <a:prstDash val="solid"/>
+                      <a:round/>
+                      <a:headEnd type="none" w="med" len="med"/>
+                      <a:tailEnd type="none" w="med" len="med"/>
+                    </a:lnR>
+                    <a:lnT w="12700" cap="flat" cmpd="sng" algn="ctr">
+                      <a:solidFill>
+                        <a:schemeClr val="tx1"/>
+                      </a:solidFill>
+                      <a:prstDash val="solid"/>
+                      <a:round/>
+                      <a:headEnd type="none" w="med" len="med"/>
+                      <a:tailEnd type="none" w="med" len="med"/>
+                    </a:lnT>
+                    <a:lnB w="12700" cap="flat" cmpd="sng" algn="ctr">
+                      <a:solidFill>
+                        <a:schemeClr val="tx1"/>
+                      </a:solidFill>
+                      <a:prstDash val="solid"/>
+                      <a:round/>
+                      <a:headEnd type="none" w="med" len="med"/>
+                      <a:tailEnd type="none" w="med" len="med"/>
+                    </a:lnB>
+                    <a:lnTlToBr w="12700" cap="flat" cmpd="sng" algn="ctr">
+                      <a:solidFill>
+                        <a:schemeClr val="tx1"/>
+                      </a:solidFill>
+                      <a:prstDash val="solid"/>
+                      <a:round/>
+                      <a:headEnd type="none" w="med" len="med"/>
+                      <a:tailEnd type="none" w="med" len="med"/>
+                    </a:lnTlToBr>
+                    <a:lnBlToTr w="12700" cap="flat" cmpd="sng" algn="ctr">
+                      <a:solidFill>
+                        <a:schemeClr val="tx1"/>
+                      </a:solidFill>
+                      <a:prstDash val="solid"/>
+                      <a:round/>
+                      <a:headEnd type="none" w="med" len="med"/>
+                      <a:tailEnd type="none" w="med" len="med"/>
+                    </a:lnBlToTr>
+                    <a:noFill/>
+                  </a:tcPr>
+                </a:tc>
+              </a:tr>
+            </a:tbl>
+          </a:graphicData>
+        </a:graphic>
+      </p:graphicFrame>
+      <p:cxnSp>
+        <p:nvCxnSpPr>
+          <p:cNvPr id="9" name="直接箭头连接符 8"/>
+          <p:cNvCxnSpPr/>
+          <p:nvPr/>
+        </p:nvCxnSpPr>
+        <p:spPr>
+          <a:xfrm>
+            <a:off x="6872288" y="2636326"/>
+            <a:ext cx="223838" cy="738188"/>
+          </a:xfrm>
+          <a:prstGeom prst="straightConnector1">
+            <a:avLst/>
+          </a:prstGeom>
+          <a:ln w="25400">
+            <a:tailEnd type="triangle"/>
+          </a:ln>
+        </p:spPr>
+        <p:style>
+          <a:lnRef idx="1">
+            <a:schemeClr val="accent1"/>
+          </a:lnRef>
+          <a:fillRef idx="0">
+            <a:schemeClr val="accent1"/>
+          </a:fillRef>
+          <a:effectRef idx="0">
+            <a:schemeClr val="accent1"/>
+          </a:effectRef>
+          <a:fontRef idx="minor">
+            <a:schemeClr val="tx1"/>
+          </a:fontRef>
+        </p:style>
+      </p:cxnSp>
+      <p:sp>
+        <p:nvSpPr>
+          <p:cNvPr id="11" name="文本框 10"/>
+          <p:cNvSpPr txBox="1"/>
+          <p:nvPr/>
+        </p:nvSpPr>
+        <p:spPr>
+          <a:xfrm>
+            <a:off x="7286625" y="2469638"/>
+            <a:ext cx="4700589" cy="646331"/>
+          </a:xfrm>
+          <a:prstGeom prst="rect">
+            <a:avLst/>
+          </a:prstGeom>
+          <a:noFill/>
+        </p:spPr>
+        <p:txBody>
+          <a:bodyPr wrap="square" rtlCol="0">
+            <a:spAutoFit/>
+          </a:bodyPr>
+          <a:lstStyle/>
+          <a:p>
+            <a:r>
+              <a:rPr lang="en-US" altLang="zh-CN" smtClean="0"/>
+              <a:t>IndexOutOfBounderException</a:t>
+            </a:r>
+            <a:r>
+              <a:rPr lang="zh-CN" altLang="en-US" smtClean="0"/>
+              <a:t>（数组下标访问）</a:t>
+            </a:r>
+            <a:endParaRPr lang="en-US" altLang="zh-CN" smtClean="0"/>
+          </a:p>
+          <a:p>
+            <a:r>
+              <a:rPr lang="en-US" altLang="zh-CN"/>
+              <a:t>NoSuchElementException</a:t>
+            </a:r>
+            <a:r>
+              <a:rPr lang="en-US" altLang="zh-CN"/>
+              <a:t> </a:t>
+            </a:r>
+            <a:r>
+              <a:rPr lang="zh-CN" altLang="en-US" smtClean="0"/>
+              <a:t>（</a:t>
+            </a:r>
+            <a:r>
+              <a:rPr lang="en-US" altLang="zh-CN" smtClean="0"/>
+              <a:t>Iterator</a:t>
+            </a:r>
+            <a:r>
+              <a:rPr lang="zh-CN" altLang="en-US" smtClean="0"/>
+              <a:t>访问）</a:t>
+            </a:r>
+            <a:endParaRPr lang="zh-CN" altLang="en-US"/>
+          </a:p>
+        </p:txBody>
+      </p:sp>
+      <p:sp>
+        <p:nvSpPr>
+          <p:cNvPr id="14" name="矩形 13"/>
+          <p:cNvSpPr/>
+          <p:nvPr/>
+        </p:nvSpPr>
+        <p:spPr>
+          <a:xfrm>
+            <a:off x="223813" y="1562276"/>
+            <a:ext cx="415498" cy="369332"/>
+          </a:xfrm>
+          <a:prstGeom prst="rect">
+            <a:avLst/>
+          </a:prstGeom>
+        </p:spPr>
+        <p:txBody>
+          <a:bodyPr wrap="none">
+            <a:spAutoFit/>
+          </a:bodyPr>
+          <a:lstStyle/>
+          <a:p>
+            <a:r>
+              <a:rPr lang="zh-CN" altLang="en-US"/>
+              <a:t>①</a:t>
+            </a:r>
+          </a:p>
+        </p:txBody>
+      </p:sp>
+      <p:sp>
+        <p:nvSpPr>
+          <p:cNvPr id="15" name="矩形 14"/>
+          <p:cNvSpPr/>
+          <p:nvPr/>
+        </p:nvSpPr>
+        <p:spPr>
+          <a:xfrm>
+            <a:off x="-25499" y="2284972"/>
+            <a:ext cx="415498" cy="369332"/>
+          </a:xfrm>
+          <a:prstGeom prst="rect">
+            <a:avLst/>
+          </a:prstGeom>
+        </p:spPr>
+        <p:txBody>
+          <a:bodyPr wrap="none">
+            <a:spAutoFit/>
+          </a:bodyPr>
+          <a:lstStyle/>
+          <a:p>
+            <a:r>
+              <a:rPr lang="zh-CN" altLang="en-US"/>
+              <a:t>②</a:t>
+            </a:r>
+          </a:p>
+        </p:txBody>
+      </p:sp>
+      <p:sp>
+        <p:nvSpPr>
+          <p:cNvPr id="16" name="矩形 15"/>
+          <p:cNvSpPr/>
+          <p:nvPr/>
+        </p:nvSpPr>
+        <p:spPr>
+          <a:xfrm>
+            <a:off x="4054688" y="1341043"/>
+            <a:ext cx="415498" cy="369332"/>
+          </a:xfrm>
+          <a:prstGeom prst="rect">
+            <a:avLst/>
+          </a:prstGeom>
+        </p:spPr>
+        <p:txBody>
+          <a:bodyPr wrap="none">
+            <a:spAutoFit/>
+          </a:bodyPr>
+          <a:lstStyle/>
+          <a:p>
+            <a:r>
+              <a:rPr lang="zh-CN" altLang="en-US"/>
+              <a:t>③</a:t>
+            </a:r>
+          </a:p>
+        </p:txBody>
+      </p:sp>
+      <p:sp>
+        <p:nvSpPr>
+          <p:cNvPr id="17" name="矩形 16"/>
+          <p:cNvSpPr/>
+          <p:nvPr/>
+        </p:nvSpPr>
+        <p:spPr>
+          <a:xfrm>
+            <a:off x="2076817" y="1823307"/>
+            <a:ext cx="415498" cy="369332"/>
+          </a:xfrm>
+          <a:prstGeom prst="rect">
+            <a:avLst/>
+          </a:prstGeom>
+        </p:spPr>
+        <p:txBody>
+          <a:bodyPr wrap="none">
+            <a:spAutoFit/>
+          </a:bodyPr>
+          <a:lstStyle/>
+          <a:p>
+            <a:r>
+              <a:rPr lang="zh-CN" altLang="en-US"/>
+              <a:t>④</a:t>
+            </a:r>
+          </a:p>
+        </p:txBody>
+      </p:sp>
+      <p:sp>
+        <p:nvSpPr>
+          <p:cNvPr id="18" name="矩形 17"/>
+          <p:cNvSpPr/>
+          <p:nvPr/>
+        </p:nvSpPr>
+        <p:spPr>
+          <a:xfrm>
+            <a:off x="6983627" y="2469638"/>
+            <a:ext cx="415498" cy="369332"/>
+          </a:xfrm>
+          <a:prstGeom prst="rect">
+            <a:avLst/>
+          </a:prstGeom>
+        </p:spPr>
+        <p:txBody>
+          <a:bodyPr wrap="none">
+            <a:spAutoFit/>
+          </a:bodyPr>
+          <a:lstStyle/>
+          <a:p>
+            <a:r>
+              <a:rPr lang="zh-CN" altLang="en-US"/>
+              <a:t>⑤</a:t>
+            </a:r>
+          </a:p>
+        </p:txBody>
+      </p:sp>
+      <p:sp>
+        <p:nvSpPr>
+          <p:cNvPr id="19" name="矩形 18"/>
+          <p:cNvSpPr/>
+          <p:nvPr/>
+        </p:nvSpPr>
+        <p:spPr>
+          <a:xfrm>
+            <a:off x="6999716" y="2746637"/>
+            <a:ext cx="415498" cy="369332"/>
+          </a:xfrm>
+          <a:prstGeom prst="rect">
+            <a:avLst/>
+          </a:prstGeom>
+        </p:spPr>
+        <p:txBody>
+          <a:bodyPr wrap="none">
+            <a:spAutoFit/>
+          </a:bodyPr>
+          <a:lstStyle/>
+          <a:p>
+            <a:r>
+              <a:rPr lang="zh-CN" altLang="en-US"/>
+              <a:t>⑥</a:t>
+            </a:r>
+          </a:p>
+        </p:txBody>
+      </p:sp>
+      <p:sp>
+        <p:nvSpPr>
+          <p:cNvPr id="20" name="矩形 19"/>
+          <p:cNvSpPr/>
+          <p:nvPr/>
+        </p:nvSpPr>
+        <p:spPr>
+          <a:xfrm>
+            <a:off x="7040776" y="4325422"/>
+            <a:ext cx="415498" cy="369332"/>
+          </a:xfrm>
+          <a:prstGeom prst="rect">
+            <a:avLst/>
+          </a:prstGeom>
+        </p:spPr>
+        <p:txBody>
+          <a:bodyPr wrap="none">
+            <a:spAutoFit/>
+          </a:bodyPr>
+          <a:lstStyle/>
+          <a:p>
+            <a:r>
+              <a:rPr lang="zh-CN" altLang="en-US"/>
+              <a:t>⑦</a:t>
+            </a:r>
+            <a:endParaRPr lang="zh-CN" altLang="en-US"/>
+          </a:p>
+        </p:txBody>
+      </p:sp>
+      <p:sp>
+        <p:nvSpPr>
+          <p:cNvPr id="21" name="文本框 20"/>
+          <p:cNvSpPr txBox="1"/>
+          <p:nvPr/>
+        </p:nvSpPr>
+        <p:spPr>
+          <a:xfrm>
+            <a:off x="7681912" y="4343401"/>
+            <a:ext cx="2700337" cy="369332"/>
+          </a:xfrm>
+          <a:prstGeom prst="rect">
+            <a:avLst/>
+          </a:prstGeom>
+          <a:noFill/>
+        </p:spPr>
+        <p:txBody>
+          <a:bodyPr wrap="square" rtlCol="0">
+            <a:spAutoFit/>
+          </a:bodyPr>
+          <a:lstStyle/>
+          <a:p>
+            <a:r>
+              <a:rPr lang="en-US" altLang="zh-CN" smtClean="0"/>
+              <a:t>NullPointerException</a:t>
+            </a:r>
+            <a:endParaRPr lang="zh-CN" altLang="en-US"/>
+          </a:p>
+        </p:txBody>
+      </p:sp>
+    </p:spTree>
+    <p:extLst>
+      <p:ext uri="{BB962C8B-B14F-4D97-AF65-F5344CB8AC3E}">
+        <p14:creationId xmlns:p14="http://schemas.microsoft.com/office/powerpoint/2010/main" val="2730691233"/>
+      </p:ext>
+    </p:extLst>
+  </p:cSld>
+  <p:clrMapOvr>
+    <a:masterClrMapping/>
+  </p:clrMapOvr>
+</p:sld>
+</file>
+
 <file path=ppt/theme/theme1.xml><?xml version="1.0" encoding="utf-8"?>
 <a:theme xmlns:a="http://schemas.openxmlformats.org/drawingml/2006/main" name="Office 主题">
   <a:themeElements>

--- a/source/_posts/private/java/Temp.pptx
+++ b/source/_posts/private/java/Temp.pptx
@@ -247,7 +247,7 @@
           <a:p>
             <a:fld id="{3395C761-B9E4-4830-B407-EA2E00EA1028}" type="datetimeFigureOut">
               <a:rPr lang="zh-CN" altLang="en-US" smtClean="0"/>
-              <a:t>2018/12/22</a:t>
+              <a:t>2019/1/2</a:t>
             </a:fld>
             <a:endParaRPr lang="zh-CN" altLang="en-US"/>
           </a:p>
@@ -417,7 +417,7 @@
           <a:p>
             <a:fld id="{3395C761-B9E4-4830-B407-EA2E00EA1028}" type="datetimeFigureOut">
               <a:rPr lang="zh-CN" altLang="en-US" smtClean="0"/>
-              <a:t>2018/12/22</a:t>
+              <a:t>2019/1/2</a:t>
             </a:fld>
             <a:endParaRPr lang="zh-CN" altLang="en-US"/>
           </a:p>
@@ -597,7 +597,7 @@
           <a:p>
             <a:fld id="{3395C761-B9E4-4830-B407-EA2E00EA1028}" type="datetimeFigureOut">
               <a:rPr lang="zh-CN" altLang="en-US" smtClean="0"/>
-              <a:t>2018/12/22</a:t>
+              <a:t>2019/1/2</a:t>
             </a:fld>
             <a:endParaRPr lang="zh-CN" altLang="en-US"/>
           </a:p>
@@ -767,7 +767,7 @@
           <a:p>
             <a:fld id="{3395C761-B9E4-4830-B407-EA2E00EA1028}" type="datetimeFigureOut">
               <a:rPr lang="zh-CN" altLang="en-US" smtClean="0"/>
-              <a:t>2018/12/22</a:t>
+              <a:t>2019/1/2</a:t>
             </a:fld>
             <a:endParaRPr lang="zh-CN" altLang="en-US"/>
           </a:p>
@@ -1013,7 +1013,7 @@
           <a:p>
             <a:fld id="{3395C761-B9E4-4830-B407-EA2E00EA1028}" type="datetimeFigureOut">
               <a:rPr lang="zh-CN" altLang="en-US" smtClean="0"/>
-              <a:t>2018/12/22</a:t>
+              <a:t>2019/1/2</a:t>
             </a:fld>
             <a:endParaRPr lang="zh-CN" altLang="en-US"/>
           </a:p>
@@ -1245,7 +1245,7 @@
           <a:p>
             <a:fld id="{3395C761-B9E4-4830-B407-EA2E00EA1028}" type="datetimeFigureOut">
               <a:rPr lang="zh-CN" altLang="en-US" smtClean="0"/>
-              <a:t>2018/12/22</a:t>
+              <a:t>2019/1/2</a:t>
             </a:fld>
             <a:endParaRPr lang="zh-CN" altLang="en-US"/>
           </a:p>
@@ -1612,7 +1612,7 @@
           <a:p>
             <a:fld id="{3395C761-B9E4-4830-B407-EA2E00EA1028}" type="datetimeFigureOut">
               <a:rPr lang="zh-CN" altLang="en-US" smtClean="0"/>
-              <a:t>2018/12/22</a:t>
+              <a:t>2019/1/2</a:t>
             </a:fld>
             <a:endParaRPr lang="zh-CN" altLang="en-US"/>
           </a:p>
@@ -1730,7 +1730,7 @@
           <a:p>
             <a:fld id="{3395C761-B9E4-4830-B407-EA2E00EA1028}" type="datetimeFigureOut">
               <a:rPr lang="zh-CN" altLang="en-US" smtClean="0"/>
-              <a:t>2018/12/22</a:t>
+              <a:t>2019/1/2</a:t>
             </a:fld>
             <a:endParaRPr lang="zh-CN" altLang="en-US"/>
           </a:p>
@@ -1825,7 +1825,7 @@
           <a:p>
             <a:fld id="{3395C761-B9E4-4830-B407-EA2E00EA1028}" type="datetimeFigureOut">
               <a:rPr lang="zh-CN" altLang="en-US" smtClean="0"/>
-              <a:t>2018/12/22</a:t>
+              <a:t>2019/1/2</a:t>
             </a:fld>
             <a:endParaRPr lang="zh-CN" altLang="en-US"/>
           </a:p>
@@ -2102,7 +2102,7 @@
           <a:p>
             <a:fld id="{3395C761-B9E4-4830-B407-EA2E00EA1028}" type="datetimeFigureOut">
               <a:rPr lang="zh-CN" altLang="en-US" smtClean="0"/>
-              <a:t>2018/12/22</a:t>
+              <a:t>2019/1/2</a:t>
             </a:fld>
             <a:endParaRPr lang="zh-CN" altLang="en-US"/>
           </a:p>
@@ -2355,7 +2355,7 @@
           <a:p>
             <a:fld id="{3395C761-B9E4-4830-B407-EA2E00EA1028}" type="datetimeFigureOut">
               <a:rPr lang="zh-CN" altLang="en-US" smtClean="0"/>
-              <a:t>2018/12/22</a:t>
+              <a:t>2019/1/2</a:t>
             </a:fld>
             <a:endParaRPr lang="zh-CN" altLang="en-US"/>
           </a:p>
@@ -2568,7 +2568,7 @@
           <a:p>
             <a:fld id="{3395C761-B9E4-4830-B407-EA2E00EA1028}" type="datetimeFigureOut">
               <a:rPr lang="zh-CN" altLang="en-US" smtClean="0"/>
-              <a:t>2018/12/22</a:t>
+              <a:t>2019/1/2</a:t>
             </a:fld>
             <a:endParaRPr lang="zh-CN" altLang="en-US"/>
           </a:p>
@@ -4971,8 +4971,8 @@
           </a:p>
         </p:txBody>
       </p:sp>
-      <mc:AlternateContent xmlns:mc="http://schemas.openxmlformats.org/markup-compatibility/2006">
-        <mc:Choice xmlns:a14="http://schemas.microsoft.com/office/drawing/2010/main" Requires="a14">
+      <mc:AlternateContent xmlns:mc="http://schemas.openxmlformats.org/markup-compatibility/2006" xmlns:a14="http://schemas.microsoft.com/office/drawing/2010/main">
+        <mc:Choice Requires="a14">
           <p:sp>
             <p:nvSpPr>
               <p:cNvPr id="4" name="文本框 3"/>
@@ -4995,6 +4995,7 @@
               </a:bodyPr>
               <a:lstStyle/>
               <a:p>
+                <a:pPr/>
                 <a14:m>
                   <m:oMathPara xmlns:m="http://schemas.openxmlformats.org/officeDocument/2006/math">
                     <m:oMathParaPr>
@@ -5037,7 +5038,7 @@
             </p:txBody>
           </p:sp>
         </mc:Choice>
-        <mc:Fallback>
+        <mc:Fallback xmlns="">
           <p:sp>
             <p:nvSpPr>
               <p:cNvPr id="4" name="文本框 3"/>
@@ -5418,11 +5419,7 @@
           <a:p>
             <a:r>
               <a:rPr lang="en-US" altLang="zh-CN"/>
-              <a:t>NoSuchElementException</a:t>
-            </a:r>
-            <a:r>
-              <a:rPr lang="en-US" altLang="zh-CN"/>
-              <a:t> </a:t>
+              <a:t>NoSuchElementException </a:t>
             </a:r>
             <a:r>
               <a:rPr lang="zh-CN" altLang="en-US" smtClean="0"/>
@@ -5633,7 +5630,6 @@
               <a:rPr lang="zh-CN" altLang="en-US"/>
               <a:t>⑦</a:t>
             </a:r>
-            <a:endParaRPr lang="zh-CN" altLang="en-US"/>
           </a:p>
         </p:txBody>
       </p:sp>

--- a/source/_posts/private/java/Temp.pptx
+++ b/source/_posts/private/java/Temp.pptx
@@ -247,7 +247,7 @@
           <a:p>
             <a:fld id="{3395C761-B9E4-4830-B407-EA2E00EA1028}" type="datetimeFigureOut">
               <a:rPr lang="zh-CN" altLang="en-US" smtClean="0"/>
-              <a:t>2019/1/2</a:t>
+              <a:t>2019/1/3</a:t>
             </a:fld>
             <a:endParaRPr lang="zh-CN" altLang="en-US"/>
           </a:p>
@@ -417,7 +417,7 @@
           <a:p>
             <a:fld id="{3395C761-B9E4-4830-B407-EA2E00EA1028}" type="datetimeFigureOut">
               <a:rPr lang="zh-CN" altLang="en-US" smtClean="0"/>
-              <a:t>2019/1/2</a:t>
+              <a:t>2019/1/3</a:t>
             </a:fld>
             <a:endParaRPr lang="zh-CN" altLang="en-US"/>
           </a:p>
@@ -597,7 +597,7 @@
           <a:p>
             <a:fld id="{3395C761-B9E4-4830-B407-EA2E00EA1028}" type="datetimeFigureOut">
               <a:rPr lang="zh-CN" altLang="en-US" smtClean="0"/>
-              <a:t>2019/1/2</a:t>
+              <a:t>2019/1/3</a:t>
             </a:fld>
             <a:endParaRPr lang="zh-CN" altLang="en-US"/>
           </a:p>
@@ -767,7 +767,7 @@
           <a:p>
             <a:fld id="{3395C761-B9E4-4830-B407-EA2E00EA1028}" type="datetimeFigureOut">
               <a:rPr lang="zh-CN" altLang="en-US" smtClean="0"/>
-              <a:t>2019/1/2</a:t>
+              <a:t>2019/1/3</a:t>
             </a:fld>
             <a:endParaRPr lang="zh-CN" altLang="en-US"/>
           </a:p>
@@ -1013,7 +1013,7 @@
           <a:p>
             <a:fld id="{3395C761-B9E4-4830-B407-EA2E00EA1028}" type="datetimeFigureOut">
               <a:rPr lang="zh-CN" altLang="en-US" smtClean="0"/>
-              <a:t>2019/1/2</a:t>
+              <a:t>2019/1/3</a:t>
             </a:fld>
             <a:endParaRPr lang="zh-CN" altLang="en-US"/>
           </a:p>
@@ -1245,7 +1245,7 @@
           <a:p>
             <a:fld id="{3395C761-B9E4-4830-B407-EA2E00EA1028}" type="datetimeFigureOut">
               <a:rPr lang="zh-CN" altLang="en-US" smtClean="0"/>
-              <a:t>2019/1/2</a:t>
+              <a:t>2019/1/3</a:t>
             </a:fld>
             <a:endParaRPr lang="zh-CN" altLang="en-US"/>
           </a:p>
@@ -1612,7 +1612,7 @@
           <a:p>
             <a:fld id="{3395C761-B9E4-4830-B407-EA2E00EA1028}" type="datetimeFigureOut">
               <a:rPr lang="zh-CN" altLang="en-US" smtClean="0"/>
-              <a:t>2019/1/2</a:t>
+              <a:t>2019/1/3</a:t>
             </a:fld>
             <a:endParaRPr lang="zh-CN" altLang="en-US"/>
           </a:p>
@@ -1730,7 +1730,7 @@
           <a:p>
             <a:fld id="{3395C761-B9E4-4830-B407-EA2E00EA1028}" type="datetimeFigureOut">
               <a:rPr lang="zh-CN" altLang="en-US" smtClean="0"/>
-              <a:t>2019/1/2</a:t>
+              <a:t>2019/1/3</a:t>
             </a:fld>
             <a:endParaRPr lang="zh-CN" altLang="en-US"/>
           </a:p>
@@ -1825,7 +1825,7 @@
           <a:p>
             <a:fld id="{3395C761-B9E4-4830-B407-EA2E00EA1028}" type="datetimeFigureOut">
               <a:rPr lang="zh-CN" altLang="en-US" smtClean="0"/>
-              <a:t>2019/1/2</a:t>
+              <a:t>2019/1/3</a:t>
             </a:fld>
             <a:endParaRPr lang="zh-CN" altLang="en-US"/>
           </a:p>
@@ -2102,7 +2102,7 @@
           <a:p>
             <a:fld id="{3395C761-B9E4-4830-B407-EA2E00EA1028}" type="datetimeFigureOut">
               <a:rPr lang="zh-CN" altLang="en-US" smtClean="0"/>
-              <a:t>2019/1/2</a:t>
+              <a:t>2019/1/3</a:t>
             </a:fld>
             <a:endParaRPr lang="zh-CN" altLang="en-US"/>
           </a:p>
@@ -2355,7 +2355,7 @@
           <a:p>
             <a:fld id="{3395C761-B9E4-4830-B407-EA2E00EA1028}" type="datetimeFigureOut">
               <a:rPr lang="zh-CN" altLang="en-US" smtClean="0"/>
-              <a:t>2019/1/2</a:t>
+              <a:t>2019/1/3</a:t>
             </a:fld>
             <a:endParaRPr lang="zh-CN" altLang="en-US"/>
           </a:p>
@@ -2568,7 +2568,7 @@
           <a:p>
             <a:fld id="{3395C761-B9E4-4830-B407-EA2E00EA1028}" type="datetimeFigureOut">
               <a:rPr lang="zh-CN" altLang="en-US" smtClean="0"/>
-              <a:t>2019/1/2</a:t>
+              <a:t>2019/1/3</a:t>
             </a:fld>
             <a:endParaRPr lang="zh-CN" altLang="en-US"/>
           </a:p>
@@ -3083,7 +3083,11 @@
           <a:p>
             <a:r>
               <a:rPr lang="zh-CN" altLang="en-US" smtClean="0"/>
-              <a:t>① ② ③④⑤⑥</a:t>
+              <a:t>①②③</a:t>
+            </a:r>
+            <a:r>
+              <a:rPr lang="zh-CN" altLang="en-US" smtClean="0"/>
+              <a:t>④⑤⑥</a:t>
             </a:r>
             <a:endParaRPr lang="zh-CN" altLang="en-US"/>
           </a:p>

--- a/source/_posts/private/java/Temp.pptx
+++ b/source/_posts/private/java/Temp.pptx
@@ -247,7 +247,7 @@
           <a:p>
             <a:fld id="{3395C761-B9E4-4830-B407-EA2E00EA1028}" type="datetimeFigureOut">
               <a:rPr lang="zh-CN" altLang="en-US" smtClean="0"/>
-              <a:t>2019/1/3</a:t>
+              <a:t>2019/1/4</a:t>
             </a:fld>
             <a:endParaRPr lang="zh-CN" altLang="en-US"/>
           </a:p>
@@ -417,7 +417,7 @@
           <a:p>
             <a:fld id="{3395C761-B9E4-4830-B407-EA2E00EA1028}" type="datetimeFigureOut">
               <a:rPr lang="zh-CN" altLang="en-US" smtClean="0"/>
-              <a:t>2019/1/3</a:t>
+              <a:t>2019/1/4</a:t>
             </a:fld>
             <a:endParaRPr lang="zh-CN" altLang="en-US"/>
           </a:p>
@@ -597,7 +597,7 @@
           <a:p>
             <a:fld id="{3395C761-B9E4-4830-B407-EA2E00EA1028}" type="datetimeFigureOut">
               <a:rPr lang="zh-CN" altLang="en-US" smtClean="0"/>
-              <a:t>2019/1/3</a:t>
+              <a:t>2019/1/4</a:t>
             </a:fld>
             <a:endParaRPr lang="zh-CN" altLang="en-US"/>
           </a:p>
@@ -767,7 +767,7 @@
           <a:p>
             <a:fld id="{3395C761-B9E4-4830-B407-EA2E00EA1028}" type="datetimeFigureOut">
               <a:rPr lang="zh-CN" altLang="en-US" smtClean="0"/>
-              <a:t>2019/1/3</a:t>
+              <a:t>2019/1/4</a:t>
             </a:fld>
             <a:endParaRPr lang="zh-CN" altLang="en-US"/>
           </a:p>
@@ -1013,7 +1013,7 @@
           <a:p>
             <a:fld id="{3395C761-B9E4-4830-B407-EA2E00EA1028}" type="datetimeFigureOut">
               <a:rPr lang="zh-CN" altLang="en-US" smtClean="0"/>
-              <a:t>2019/1/3</a:t>
+              <a:t>2019/1/4</a:t>
             </a:fld>
             <a:endParaRPr lang="zh-CN" altLang="en-US"/>
           </a:p>
@@ -1245,7 +1245,7 @@
           <a:p>
             <a:fld id="{3395C761-B9E4-4830-B407-EA2E00EA1028}" type="datetimeFigureOut">
               <a:rPr lang="zh-CN" altLang="en-US" smtClean="0"/>
-              <a:t>2019/1/3</a:t>
+              <a:t>2019/1/4</a:t>
             </a:fld>
             <a:endParaRPr lang="zh-CN" altLang="en-US"/>
           </a:p>
@@ -1612,7 +1612,7 @@
           <a:p>
             <a:fld id="{3395C761-B9E4-4830-B407-EA2E00EA1028}" type="datetimeFigureOut">
               <a:rPr lang="zh-CN" altLang="en-US" smtClean="0"/>
-              <a:t>2019/1/3</a:t>
+              <a:t>2019/1/4</a:t>
             </a:fld>
             <a:endParaRPr lang="zh-CN" altLang="en-US"/>
           </a:p>
@@ -1730,7 +1730,7 @@
           <a:p>
             <a:fld id="{3395C761-B9E4-4830-B407-EA2E00EA1028}" type="datetimeFigureOut">
               <a:rPr lang="zh-CN" altLang="en-US" smtClean="0"/>
-              <a:t>2019/1/3</a:t>
+              <a:t>2019/1/4</a:t>
             </a:fld>
             <a:endParaRPr lang="zh-CN" altLang="en-US"/>
           </a:p>
@@ -1825,7 +1825,7 @@
           <a:p>
             <a:fld id="{3395C761-B9E4-4830-B407-EA2E00EA1028}" type="datetimeFigureOut">
               <a:rPr lang="zh-CN" altLang="en-US" smtClean="0"/>
-              <a:t>2019/1/3</a:t>
+              <a:t>2019/1/4</a:t>
             </a:fld>
             <a:endParaRPr lang="zh-CN" altLang="en-US"/>
           </a:p>
@@ -2102,7 +2102,7 @@
           <a:p>
             <a:fld id="{3395C761-B9E4-4830-B407-EA2E00EA1028}" type="datetimeFigureOut">
               <a:rPr lang="zh-CN" altLang="en-US" smtClean="0"/>
-              <a:t>2019/1/3</a:t>
+              <a:t>2019/1/4</a:t>
             </a:fld>
             <a:endParaRPr lang="zh-CN" altLang="en-US"/>
           </a:p>
@@ -2355,7 +2355,7 @@
           <a:p>
             <a:fld id="{3395C761-B9E4-4830-B407-EA2E00EA1028}" type="datetimeFigureOut">
               <a:rPr lang="zh-CN" altLang="en-US" smtClean="0"/>
-              <a:t>2019/1/3</a:t>
+              <a:t>2019/1/4</a:t>
             </a:fld>
             <a:endParaRPr lang="zh-CN" altLang="en-US"/>
           </a:p>
@@ -2568,7 +2568,7 @@
           <a:p>
             <a:fld id="{3395C761-B9E4-4830-B407-EA2E00EA1028}" type="datetimeFigureOut">
               <a:rPr lang="zh-CN" altLang="en-US" smtClean="0"/>
-              <a:t>2019/1/3</a:t>
+              <a:t>2019/1/4</a:t>
             </a:fld>
             <a:endParaRPr lang="zh-CN" altLang="en-US"/>
           </a:p>
@@ -3083,11 +3083,7 @@
           <a:p>
             <a:r>
               <a:rPr lang="zh-CN" altLang="en-US" smtClean="0"/>
-              <a:t>①②③</a:t>
-            </a:r>
-            <a:r>
-              <a:rPr lang="zh-CN" altLang="en-US" smtClean="0"/>
-              <a:t>④⑤⑥</a:t>
+              <a:t>①②③④⑤⑥</a:t>
             </a:r>
             <a:endParaRPr lang="zh-CN" altLang="en-US"/>
           </a:p>
